--- a/FOLDER-ORGANIZATION.pptx
+++ b/FOLDER-ORGANIZATION.pptx
@@ -3000,8 +3000,12 @@
           <a:lstStyle/>
           <a:p>
             <a:r>
+              <a:rPr lang="en-US" sz="1600"/>
+              <a:t>The main top-level </a:t>
+            </a:r>
+            <a:r>
               <a:rPr lang="en-US" sz="1600" dirty="0"/>
-              <a:t>The main top-level folders are </a:t>
+              <a:t>folders are </a:t>
             </a:r>
             <a:r>
               <a:rPr lang="en-US" sz="1600" dirty="0" err="1"/>
